--- a/MONITOR-ACTIVE-JOBS/Intelligently Monitor SQL Server Agent.pptx
+++ b/MONITOR-ACTIVE-JOBS/Intelligently Monitor SQL Server Agent.pptx
@@ -8,21 +8,22 @@
     <p:sldId id="256" r:id="rId2"/>
     <p:sldId id="257" r:id="rId3"/>
     <p:sldId id="261" r:id="rId4"/>
-    <p:sldId id="263" r:id="rId5"/>
-    <p:sldId id="264" r:id="rId6"/>
-    <p:sldId id="266" r:id="rId7"/>
-    <p:sldId id="265" r:id="rId8"/>
-    <p:sldId id="258" r:id="rId9"/>
-    <p:sldId id="262" r:id="rId10"/>
-    <p:sldId id="267" r:id="rId11"/>
-    <p:sldId id="270" r:id="rId12"/>
-    <p:sldId id="268" r:id="rId13"/>
-    <p:sldId id="269" r:id="rId14"/>
+    <p:sldId id="271" r:id="rId5"/>
+    <p:sldId id="263" r:id="rId6"/>
+    <p:sldId id="264" r:id="rId7"/>
+    <p:sldId id="266" r:id="rId8"/>
+    <p:sldId id="265" r:id="rId9"/>
+    <p:sldId id="258" r:id="rId10"/>
+    <p:sldId id="262" r:id="rId11"/>
+    <p:sldId id="267" r:id="rId12"/>
+    <p:sldId id="270" r:id="rId13"/>
+    <p:sldId id="268" r:id="rId14"/>
+    <p:sldId id="269" r:id="rId15"/>
   </p:sldIdLst>
   <p:sldSz cx="12192000" cy="6858000"/>
   <p:notesSz cx="6858000" cy="9144000"/>
   <p:custDataLst>
-    <p:tags r:id="rId15"/>
+    <p:tags r:id="rId16"/>
   </p:custDataLst>
   <p:defaultTextStyle>
     <a:defPPr>
@@ -3366,7 +3367,7 @@
           <p:cNvPr id="2" name="Title 1">
             <a:extLst>
               <a:ext uri="{FF2B5EF4-FFF2-40B4-BE49-F238E27FC236}">
-                <a16:creationId xmlns:a16="http://schemas.microsoft.com/office/drawing/2014/main" id="{A8D10640-FB2C-446F-8BE9-666BC60D7944}"/>
+                <a16:creationId xmlns:a16="http://schemas.microsoft.com/office/drawing/2014/main" id="{EA3F19A5-10BB-4AFE-B3AB-19AA0D83E932}"/>
               </a:ext>
             </a:extLst>
           </p:cNvPr>
@@ -3384,7 +3385,7 @@
           <a:p>
             <a:r>
               <a:rPr lang="en-US" dirty="0"/>
-              <a:t>Demo</a:t>
+              <a:t>Power BI</a:t>
             </a:r>
           </a:p>
         </p:txBody>
@@ -3394,7 +3395,7 @@
           <p:cNvPr id="3" name="Content Placeholder 2">
             <a:extLst>
               <a:ext uri="{FF2B5EF4-FFF2-40B4-BE49-F238E27FC236}">
-                <a16:creationId xmlns:a16="http://schemas.microsoft.com/office/drawing/2014/main" id="{4511189C-D25D-4C2A-9B86-F9D39AEC214A}"/>
+                <a16:creationId xmlns:a16="http://schemas.microsoft.com/office/drawing/2014/main" id="{BDC557C9-9218-4D70-9625-C04E78F2C2DF}"/>
               </a:ext>
             </a:extLst>
           </p:cNvPr>
@@ -3412,27 +3413,48 @@
           <a:p>
             <a:r>
               <a:rPr lang="en-US" dirty="0"/>
-              <a:t>Review SQL Agent data available in SQL Server Management Studio</a:t>
-            </a:r>
-          </a:p>
-          <a:p>
-            <a:r>
-              <a:rPr lang="en-US" dirty="0"/>
-              <a:t>Review stored procedure that extracts and loads SQL Agent data for jobs currently running</a:t>
-            </a:r>
-          </a:p>
-          <a:p>
-            <a:r>
-              <a:rPr lang="en-US" dirty="0"/>
-              <a:t>View Power BI report showing the details on SQL Agent jobs currently running</a:t>
-            </a:r>
+              <a:t>Shiny new tool in the toolbox</a:t>
+            </a:r>
+          </a:p>
+          <a:p>
+            <a:r>
+              <a:rPr lang="en-US" dirty="0"/>
+              <a:t>Power BI Desktop makes it relatively easy to develop simple reports</a:t>
+            </a:r>
+          </a:p>
+          <a:p>
+            <a:r>
+              <a:rPr lang="en-US" dirty="0"/>
+              <a:t>Works with many data sources</a:t>
+            </a:r>
+          </a:p>
+          <a:p>
+            <a:r>
+              <a:rPr lang="en-US" dirty="0"/>
+              <a:t>Works with SQL Server extremely well</a:t>
+            </a:r>
+          </a:p>
+          <a:p>
+            <a:r>
+              <a:rPr lang="en-US" dirty="0"/>
+              <a:t>Deploy on-premise to Power BI Report Server</a:t>
+            </a:r>
+          </a:p>
+          <a:p>
+            <a:r>
+              <a:rPr lang="en-US" dirty="0"/>
+              <a:t>Deploy to cloud with Power BI Service</a:t>
+            </a:r>
+          </a:p>
+          <a:p>
+            <a:endParaRPr lang="en-US" dirty="0"/>
           </a:p>
         </p:txBody>
       </p:sp>
     </p:spTree>
     <p:extLst>
       <p:ext uri="{BB962C8B-B14F-4D97-AF65-F5344CB8AC3E}">
-        <p14:creationId xmlns:p14="http://schemas.microsoft.com/office/powerpoint/2010/main" val="1223247782"/>
+        <p14:creationId xmlns:p14="http://schemas.microsoft.com/office/powerpoint/2010/main" val="528857684"/>
       </p:ext>
     </p:extLst>
   </p:cSld>
@@ -3464,7 +3486,7 @@
           <p:cNvPr id="2" name="Title 1">
             <a:extLst>
               <a:ext uri="{FF2B5EF4-FFF2-40B4-BE49-F238E27FC236}">
-                <a16:creationId xmlns:a16="http://schemas.microsoft.com/office/drawing/2014/main" id="{A02F04B5-F71B-4742-BF1B-FD731A49EECE}"/>
+                <a16:creationId xmlns:a16="http://schemas.microsoft.com/office/drawing/2014/main" id="{A8D10640-FB2C-446F-8BE9-666BC60D7944}"/>
               </a:ext>
             </a:extLst>
           </p:cNvPr>
@@ -3482,7 +3504,7 @@
           <a:p>
             <a:r>
               <a:rPr lang="en-US" dirty="0"/>
-              <a:t>References</a:t>
+              <a:t>Demo</a:t>
             </a:r>
           </a:p>
         </p:txBody>
@@ -3492,7 +3514,7 @@
           <p:cNvPr id="3" name="Content Placeholder 2">
             <a:extLst>
               <a:ext uri="{FF2B5EF4-FFF2-40B4-BE49-F238E27FC236}">
-                <a16:creationId xmlns:a16="http://schemas.microsoft.com/office/drawing/2014/main" id="{59EE5660-2F61-4C3D-9839-4EE5B20FCED4}"/>
+                <a16:creationId xmlns:a16="http://schemas.microsoft.com/office/drawing/2014/main" id="{4511189C-D25D-4C2A-9B86-F9D39AEC214A}"/>
               </a:ext>
             </a:extLst>
           </p:cNvPr>
@@ -3510,51 +3532,27 @@
           <a:p>
             <a:r>
               <a:rPr lang="en-US" dirty="0"/>
-              <a:t>Monitor SQL Server Agent Job Activity with Power BI</a:t>
-            </a:r>
-          </a:p>
-          <a:p>
-            <a:pPr marL="0" indent="0">
-              <a:buNone/>
-            </a:pPr>
-            <a:r>
-              <a:rPr lang="en-US" dirty="0">
-                <a:hlinkClick r:id="rId2"/>
-              </a:rPr>
-              <a:t>https://www.mssqltips.com/sqlservertip/6598/sql-server-agent-monitoring-with-power-bi/</a:t>
-            </a:r>
-            <a:endParaRPr lang="en-US" dirty="0"/>
-          </a:p>
-          <a:p>
-            <a:r>
-              <a:rPr lang="en-US" dirty="0"/>
-              <a:t>Build an Incremental ETL Process for a SQL Server Agent Data Mart</a:t>
-            </a:r>
-          </a:p>
-          <a:p>
-            <a:pPr marL="0" indent="0">
-              <a:buNone/>
-            </a:pPr>
-            <a:r>
-              <a:rPr lang="en-US" dirty="0">
-                <a:hlinkClick r:id="rId3"/>
-              </a:rPr>
-              <a:t>https://www.mssqltips.com/sqlservertip/6626/sql-server-agent-data-mart-incremental-load/</a:t>
-            </a:r>
-            <a:endParaRPr lang="en-US" dirty="0"/>
-          </a:p>
-          <a:p>
-            <a:pPr marL="0" indent="0">
-              <a:buNone/>
-            </a:pPr>
-            <a:endParaRPr lang="en-US" dirty="0"/>
+              <a:t>Review SQL Agent data available in SQL Server Management Studio</a:t>
+            </a:r>
+          </a:p>
+          <a:p>
+            <a:r>
+              <a:rPr lang="en-US" dirty="0"/>
+              <a:t>Review stored procedure that extracts and loads SQL Agent data for jobs currently running</a:t>
+            </a:r>
+          </a:p>
+          <a:p>
+            <a:r>
+              <a:rPr lang="en-US" dirty="0"/>
+              <a:t>View Power BI report showing the details on SQL Agent jobs currently running</a:t>
+            </a:r>
           </a:p>
         </p:txBody>
       </p:sp>
     </p:spTree>
     <p:extLst>
       <p:ext uri="{BB962C8B-B14F-4D97-AF65-F5344CB8AC3E}">
-        <p14:creationId xmlns:p14="http://schemas.microsoft.com/office/powerpoint/2010/main" val="2190016130"/>
+        <p14:creationId xmlns:p14="http://schemas.microsoft.com/office/powerpoint/2010/main" val="1223247782"/>
       </p:ext>
     </p:extLst>
   </p:cSld>
@@ -3586,6 +3584,128 @@
           <p:cNvPr id="2" name="Title 1">
             <a:extLst>
               <a:ext uri="{FF2B5EF4-FFF2-40B4-BE49-F238E27FC236}">
+                <a16:creationId xmlns:a16="http://schemas.microsoft.com/office/drawing/2014/main" id="{A02F04B5-F71B-4742-BF1B-FD731A49EECE}"/>
+              </a:ext>
+            </a:extLst>
+          </p:cNvPr>
+          <p:cNvSpPr>
+            <a:spLocks noGrp="1"/>
+          </p:cNvSpPr>
+          <p:nvPr>
+            <p:ph type="title"/>
+          </p:nvPr>
+        </p:nvSpPr>
+        <p:spPr/>
+        <p:txBody>
+          <a:bodyPr/>
+          <a:lstStyle/>
+          <a:p>
+            <a:r>
+              <a:rPr lang="en-US" dirty="0"/>
+              <a:t>References</a:t>
+            </a:r>
+          </a:p>
+        </p:txBody>
+      </p:sp>
+      <p:sp>
+        <p:nvSpPr>
+          <p:cNvPr id="3" name="Content Placeholder 2">
+            <a:extLst>
+              <a:ext uri="{FF2B5EF4-FFF2-40B4-BE49-F238E27FC236}">
+                <a16:creationId xmlns:a16="http://schemas.microsoft.com/office/drawing/2014/main" id="{59EE5660-2F61-4C3D-9839-4EE5B20FCED4}"/>
+              </a:ext>
+            </a:extLst>
+          </p:cNvPr>
+          <p:cNvSpPr>
+            <a:spLocks noGrp="1"/>
+          </p:cNvSpPr>
+          <p:nvPr>
+            <p:ph idx="1"/>
+          </p:nvPr>
+        </p:nvSpPr>
+        <p:spPr/>
+        <p:txBody>
+          <a:bodyPr/>
+          <a:lstStyle/>
+          <a:p>
+            <a:r>
+              <a:rPr lang="en-US" dirty="0"/>
+              <a:t>Monitor SQL Server Agent Job Activity with Power BI</a:t>
+            </a:r>
+          </a:p>
+          <a:p>
+            <a:pPr marL="0" indent="0">
+              <a:buNone/>
+            </a:pPr>
+            <a:r>
+              <a:rPr lang="en-US" dirty="0">
+                <a:hlinkClick r:id="rId2"/>
+              </a:rPr>
+              <a:t>https://www.mssqltips.com/sqlservertip/6598/sql-server-agent-monitoring-with-power-bi/</a:t>
+            </a:r>
+            <a:endParaRPr lang="en-US" dirty="0"/>
+          </a:p>
+          <a:p>
+            <a:r>
+              <a:rPr lang="en-US" dirty="0"/>
+              <a:t>Build an Incremental ETL Process for a SQL Server Agent Data Mart</a:t>
+            </a:r>
+          </a:p>
+          <a:p>
+            <a:pPr marL="0" indent="0">
+              <a:buNone/>
+            </a:pPr>
+            <a:r>
+              <a:rPr lang="en-US" dirty="0">
+                <a:hlinkClick r:id="rId3"/>
+              </a:rPr>
+              <a:t>https://www.mssqltips.com/sqlservertip/6626/sql-server-agent-data-mart-incremental-load/</a:t>
+            </a:r>
+            <a:endParaRPr lang="en-US" dirty="0"/>
+          </a:p>
+          <a:p>
+            <a:pPr marL="0" indent="0">
+              <a:buNone/>
+            </a:pPr>
+            <a:endParaRPr lang="en-US" dirty="0"/>
+          </a:p>
+        </p:txBody>
+      </p:sp>
+    </p:spTree>
+    <p:extLst>
+      <p:ext uri="{BB962C8B-B14F-4D97-AF65-F5344CB8AC3E}">
+        <p14:creationId xmlns:p14="http://schemas.microsoft.com/office/powerpoint/2010/main" val="2190016130"/>
+      </p:ext>
+    </p:extLst>
+  </p:cSld>
+  <p:clrMapOvr>
+    <a:masterClrMapping/>
+  </p:clrMapOvr>
+</p:sld>
+</file>
+
+<file path=ppt/slides/slide13.xml><?xml version="1.0" encoding="utf-8"?>
+<p:sld xmlns:a="http://schemas.openxmlformats.org/drawingml/2006/main" xmlns:r="http://schemas.openxmlformats.org/officeDocument/2006/relationships" xmlns:p="http://schemas.openxmlformats.org/presentationml/2006/main">
+  <p:cSld>
+    <p:spTree>
+      <p:nvGrpSpPr>
+        <p:cNvPr id="1" name=""/>
+        <p:cNvGrpSpPr/>
+        <p:nvPr/>
+      </p:nvGrpSpPr>
+      <p:grpSpPr>
+        <a:xfrm>
+          <a:off x="0" y="0"/>
+          <a:ext cx="0" cy="0"/>
+          <a:chOff x="0" y="0"/>
+          <a:chExt cx="0" cy="0"/>
+        </a:xfrm>
+      </p:grpSpPr>
+      <p:sp>
+        <p:nvSpPr>
+          <p:cNvPr id="2" name="Title 1">
+            <a:extLst>
+              <a:ext uri="{FF2B5EF4-FFF2-40B4-BE49-F238E27FC236}">
                 <a16:creationId xmlns:a16="http://schemas.microsoft.com/office/drawing/2014/main" id="{76DDF7AE-5B9B-41CD-804F-1B70DA04517D}"/>
               </a:ext>
             </a:extLst>
@@ -3692,7 +3812,7 @@
 </p:sld>
 </file>
 
-<file path=ppt/slides/slide13.xml><?xml version="1.0" encoding="utf-8"?>
+<file path=ppt/slides/slide14.xml><?xml version="1.0" encoding="utf-8"?>
 <p:sld xmlns:a="http://schemas.openxmlformats.org/drawingml/2006/main" xmlns:r="http://schemas.openxmlformats.org/officeDocument/2006/relationships" xmlns:p="http://schemas.openxmlformats.org/presentationml/2006/main">
   <p:cSld>
     <p:spTree>
@@ -3900,8 +4020,13 @@
           <a:p>
             <a:r>
               <a:rPr lang="en-US" dirty="0"/>
-              <a:t>Demo</a:t>
-            </a:r>
+              <a:t>Demo and </a:t>
+            </a:r>
+            <a:r>
+              <a:rPr lang="en-US"/>
+              <a:t>Code Review</a:t>
+            </a:r>
+            <a:endParaRPr lang="en-US" dirty="0"/>
           </a:p>
           <a:p>
             <a:endParaRPr lang="en-US" dirty="0"/>
@@ -4064,6 +4189,100 @@
           <p:cNvPr id="2" name="Title 1">
             <a:extLst>
               <a:ext uri="{FF2B5EF4-FFF2-40B4-BE49-F238E27FC236}">
+                <a16:creationId xmlns:a16="http://schemas.microsoft.com/office/drawing/2014/main" id="{26A5776B-639F-4455-A4D3-3D52176F0719}"/>
+              </a:ext>
+            </a:extLst>
+          </p:cNvPr>
+          <p:cNvSpPr>
+            <a:spLocks noGrp="1"/>
+          </p:cNvSpPr>
+          <p:nvPr>
+            <p:ph type="title"/>
+          </p:nvPr>
+        </p:nvSpPr>
+        <p:spPr/>
+        <p:txBody>
+          <a:bodyPr/>
+          <a:lstStyle/>
+          <a:p>
+            <a:r>
+              <a:rPr lang="en-US" dirty="0"/>
+              <a:t>Demo</a:t>
+            </a:r>
+          </a:p>
+        </p:txBody>
+      </p:sp>
+      <p:sp>
+        <p:nvSpPr>
+          <p:cNvPr id="3" name="Content Placeholder 2">
+            <a:extLst>
+              <a:ext uri="{FF2B5EF4-FFF2-40B4-BE49-F238E27FC236}">
+                <a16:creationId xmlns:a16="http://schemas.microsoft.com/office/drawing/2014/main" id="{2313F5CD-12A6-4E58-8CC0-5F7938038344}"/>
+              </a:ext>
+            </a:extLst>
+          </p:cNvPr>
+          <p:cNvSpPr>
+            <a:spLocks noGrp="1"/>
+          </p:cNvSpPr>
+          <p:nvPr>
+            <p:ph idx="1"/>
+          </p:nvPr>
+        </p:nvSpPr>
+        <p:spPr/>
+        <p:txBody>
+          <a:bodyPr/>
+          <a:lstStyle/>
+          <a:p>
+            <a:r>
+              <a:rPr lang="en-US" dirty="0"/>
+              <a:t>Show the </a:t>
+            </a:r>
+            <a:r>
+              <a:rPr lang="en-US" dirty="0" err="1"/>
+              <a:t>MonitorActiveJobs</a:t>
+            </a:r>
+            <a:r>
+              <a:rPr lang="en-US" dirty="0"/>
+              <a:t> Power BI report</a:t>
+            </a:r>
+          </a:p>
+        </p:txBody>
+      </p:sp>
+    </p:spTree>
+    <p:extLst>
+      <p:ext uri="{BB962C8B-B14F-4D97-AF65-F5344CB8AC3E}">
+        <p14:creationId xmlns:p14="http://schemas.microsoft.com/office/powerpoint/2010/main" val="457628081"/>
+      </p:ext>
+    </p:extLst>
+  </p:cSld>
+  <p:clrMapOvr>
+    <a:masterClrMapping/>
+  </p:clrMapOvr>
+</p:sld>
+</file>
+
+<file path=ppt/slides/slide5.xml><?xml version="1.0" encoding="utf-8"?>
+<p:sld xmlns:a="http://schemas.openxmlformats.org/drawingml/2006/main" xmlns:r="http://schemas.openxmlformats.org/officeDocument/2006/relationships" xmlns:p="http://schemas.openxmlformats.org/presentationml/2006/main">
+  <p:cSld>
+    <p:spTree>
+      <p:nvGrpSpPr>
+        <p:cNvPr id="1" name=""/>
+        <p:cNvGrpSpPr/>
+        <p:nvPr/>
+      </p:nvGrpSpPr>
+      <p:grpSpPr>
+        <a:xfrm>
+          <a:off x="0" y="0"/>
+          <a:ext cx="0" cy="0"/>
+          <a:chOff x="0" y="0"/>
+          <a:chExt cx="0" cy="0"/>
+        </a:xfrm>
+      </p:grpSpPr>
+      <p:sp>
+        <p:nvSpPr>
+          <p:cNvPr id="2" name="Title 1">
+            <a:extLst>
+              <a:ext uri="{FF2B5EF4-FFF2-40B4-BE49-F238E27FC236}">
                 <a16:creationId xmlns:a16="http://schemas.microsoft.com/office/drawing/2014/main" id="{A1A7224A-BA9F-403D-A5F9-392D8CB72A32}"/>
               </a:ext>
             </a:extLst>
@@ -4190,7 +4409,7 @@
 </p:sld>
 </file>
 
-<file path=ppt/slides/slide5.xml><?xml version="1.0" encoding="utf-8"?>
+<file path=ppt/slides/slide6.xml><?xml version="1.0" encoding="utf-8"?>
 <p:sld xmlns:a="http://schemas.openxmlformats.org/drawingml/2006/main" xmlns:r="http://schemas.openxmlformats.org/officeDocument/2006/relationships" xmlns:p="http://schemas.openxmlformats.org/presentationml/2006/main">
   <p:cSld>
     <p:spTree>
@@ -4282,124 +4501,6 @@
 </p:sld>
 </file>
 
-<file path=ppt/slides/slide6.xml><?xml version="1.0" encoding="utf-8"?>
-<p:sld xmlns:a="http://schemas.openxmlformats.org/drawingml/2006/main" xmlns:r="http://schemas.openxmlformats.org/officeDocument/2006/relationships" xmlns:p="http://schemas.openxmlformats.org/presentationml/2006/main">
-  <p:cSld>
-    <p:spTree>
-      <p:nvGrpSpPr>
-        <p:cNvPr id="1" name=""/>
-        <p:cNvGrpSpPr/>
-        <p:nvPr/>
-      </p:nvGrpSpPr>
-      <p:grpSpPr>
-        <a:xfrm>
-          <a:off x="0" y="0"/>
-          <a:ext cx="0" cy="0"/>
-          <a:chOff x="0" y="0"/>
-          <a:chExt cx="0" cy="0"/>
-        </a:xfrm>
-      </p:grpSpPr>
-      <p:sp>
-        <p:nvSpPr>
-          <p:cNvPr id="2" name="Title 1">
-            <a:extLst>
-              <a:ext uri="{FF2B5EF4-FFF2-40B4-BE49-F238E27FC236}">
-                <a16:creationId xmlns:a16="http://schemas.microsoft.com/office/drawing/2014/main" id="{73D98329-3FD1-475F-8F23-66D308D78F40}"/>
-              </a:ext>
-            </a:extLst>
-          </p:cNvPr>
-          <p:cNvSpPr>
-            <a:spLocks noGrp="1"/>
-          </p:cNvSpPr>
-          <p:nvPr>
-            <p:ph type="title"/>
-          </p:nvPr>
-        </p:nvSpPr>
-        <p:spPr/>
-        <p:txBody>
-          <a:bodyPr/>
-          <a:lstStyle/>
-          <a:p>
-            <a:r>
-              <a:rPr lang="en-US" dirty="0"/>
-              <a:t>Notes on msdb.dbo.sysjobhistory Columns</a:t>
-            </a:r>
-          </a:p>
-        </p:txBody>
-      </p:sp>
-      <p:sp>
-        <p:nvSpPr>
-          <p:cNvPr id="3" name="Content Placeholder 2">
-            <a:extLst>
-              <a:ext uri="{FF2B5EF4-FFF2-40B4-BE49-F238E27FC236}">
-                <a16:creationId xmlns:a16="http://schemas.microsoft.com/office/drawing/2014/main" id="{402E724F-7DF9-44D6-8752-4A7E1A855C5E}"/>
-              </a:ext>
-            </a:extLst>
-          </p:cNvPr>
-          <p:cNvSpPr>
-            <a:spLocks noGrp="1"/>
-          </p:cNvSpPr>
-          <p:nvPr>
-            <p:ph idx="1"/>
-          </p:nvPr>
-        </p:nvSpPr>
-        <p:spPr/>
-        <p:txBody>
-          <a:bodyPr>
-            <a:normAutofit fontScale="92500" lnSpcReduction="20000"/>
-          </a:bodyPr>
-          <a:lstStyle/>
-          <a:p>
-            <a:r>
-              <a:rPr lang="en-US" dirty="0"/>
-              <a:t>The table contains the history for jobs and job steps</a:t>
-            </a:r>
-          </a:p>
-          <a:p>
-            <a:r>
-              <a:rPr lang="en-US" dirty="0"/>
-              <a:t>step_id is 0 for a job outcome else it matches the step_id for a row in the msdb.dbo.sysjobsteps table</a:t>
-            </a:r>
-          </a:p>
-          <a:p>
-            <a:r>
-              <a:rPr lang="en-US" dirty="0"/>
-              <a:t>run_date is an INT formatted as YYYYMMDD; it is the date that the job started running</a:t>
-            </a:r>
-          </a:p>
-          <a:p>
-            <a:r>
-              <a:rPr lang="en-US" dirty="0"/>
-              <a:t>run_time is an INT formatted as HHMMSS; it is the time that the job started running</a:t>
-            </a:r>
-          </a:p>
-          <a:p>
-            <a:r>
-              <a:rPr lang="en-US" dirty="0"/>
-              <a:t>run_duration is an INT formatted as HHMMSS; it is the number of hours, minutes and seconds that the job or job step executed</a:t>
-            </a:r>
-          </a:p>
-          <a:p>
-            <a:r>
-              <a:rPr lang="en-US" dirty="0"/>
-              <a:t>Code samples will show how to convert these to a DATETIME or INT that is the number of seconds a job or job step ran</a:t>
-            </a:r>
-          </a:p>
-        </p:txBody>
-      </p:sp>
-    </p:spTree>
-    <p:extLst>
-      <p:ext uri="{BB962C8B-B14F-4D97-AF65-F5344CB8AC3E}">
-        <p14:creationId xmlns:p14="http://schemas.microsoft.com/office/powerpoint/2010/main" val="3256821092"/>
-      </p:ext>
-    </p:extLst>
-  </p:cSld>
-  <p:clrMapOvr>
-    <a:masterClrMapping/>
-  </p:clrMapOvr>
-</p:sld>
-</file>
-
 <file path=ppt/slides/slide7.xml><?xml version="1.0" encoding="utf-8"?>
 <p:sld xmlns:a="http://schemas.openxmlformats.org/drawingml/2006/main" xmlns:r="http://schemas.openxmlformats.org/officeDocument/2006/relationships" xmlns:p="http://schemas.openxmlformats.org/presentationml/2006/main">
   <p:cSld>
@@ -4422,7 +4523,7 @@
           <p:cNvPr id="2" name="Title 1">
             <a:extLst>
               <a:ext uri="{FF2B5EF4-FFF2-40B4-BE49-F238E27FC236}">
-                <a16:creationId xmlns:a16="http://schemas.microsoft.com/office/drawing/2014/main" id="{DBA6D4AD-6A4D-404E-B9DE-03BFFD8EB18B}"/>
+                <a16:creationId xmlns:a16="http://schemas.microsoft.com/office/drawing/2014/main" id="{73D98329-3FD1-475F-8F23-66D308D78F40}"/>
               </a:ext>
             </a:extLst>
           </p:cNvPr>
@@ -4440,7 +4541,7 @@
           <a:p>
             <a:r>
               <a:rPr lang="en-US" dirty="0"/>
-              <a:t>Dimensional Modeling </a:t>
+              <a:t>Notes on msdb.dbo.sysjobhistory Columns</a:t>
             </a:r>
           </a:p>
         </p:txBody>
@@ -4450,7 +4551,7 @@
           <p:cNvPr id="3" name="Content Placeholder 2">
             <a:extLst>
               <a:ext uri="{FF2B5EF4-FFF2-40B4-BE49-F238E27FC236}">
-                <a16:creationId xmlns:a16="http://schemas.microsoft.com/office/drawing/2014/main" id="{6AF17415-3EF0-4AD0-808D-41C9425E4A17}"/>
+                <a16:creationId xmlns:a16="http://schemas.microsoft.com/office/drawing/2014/main" id="{402E724F-7DF9-44D6-8752-4A7E1A855C5E}"/>
               </a:ext>
             </a:extLst>
           </p:cNvPr>
@@ -4464,42 +4565,51 @@
         <p:spPr/>
         <p:txBody>
           <a:bodyPr>
-            <a:normAutofit/>
+            <a:normAutofit fontScale="92500" lnSpcReduction="20000"/>
           </a:bodyPr>
           <a:lstStyle/>
           <a:p>
             <a:r>
               <a:rPr lang="en-US" dirty="0"/>
-              <a:t>Introduced by Ralph Kimball in 1996</a:t>
-            </a:r>
-          </a:p>
-          <a:p>
-            <a:r>
-              <a:rPr lang="en-US" dirty="0"/>
-              <a:t>Fact tables, Dimension tables, Star schema</a:t>
-            </a:r>
-          </a:p>
-          <a:p>
-            <a:r>
-              <a:rPr lang="en-US" dirty="0"/>
-              <a:t>Snapshot used in this presentation is the Periodic Snapshot Fact Table</a:t>
-            </a:r>
-          </a:p>
-          <a:p>
-            <a:r>
-              <a:rPr lang="en-US" dirty="0"/>
-              <a:t>Represents the data at a specific point in time</a:t>
-            </a:r>
-          </a:p>
-          <a:p>
-            <a:endParaRPr lang="en-US" dirty="0"/>
+              <a:t>The table contains the history for jobs and job steps</a:t>
+            </a:r>
+          </a:p>
+          <a:p>
+            <a:r>
+              <a:rPr lang="en-US" dirty="0"/>
+              <a:t>step_id is 0 for a job outcome else it matches the step_id for a row in the msdb.dbo.sysjobsteps table</a:t>
+            </a:r>
+          </a:p>
+          <a:p>
+            <a:r>
+              <a:rPr lang="en-US" dirty="0"/>
+              <a:t>run_date is an INT formatted as YYYYMMDD; it is the date that the job started running</a:t>
+            </a:r>
+          </a:p>
+          <a:p>
+            <a:r>
+              <a:rPr lang="en-US" dirty="0"/>
+              <a:t>run_time is an INT formatted as HHMMSS; it is the time that the job started running</a:t>
+            </a:r>
+          </a:p>
+          <a:p>
+            <a:r>
+              <a:rPr lang="en-US" dirty="0"/>
+              <a:t>run_duration is an INT formatted as HHMMSS; it is the number of hours, minutes and seconds that the job or job step executed</a:t>
+            </a:r>
+          </a:p>
+          <a:p>
+            <a:r>
+              <a:rPr lang="en-US" dirty="0"/>
+              <a:t>Code samples will show how to convert these to a DATETIME or INT that is the number of seconds a job or job step ran</a:t>
+            </a:r>
           </a:p>
         </p:txBody>
       </p:sp>
     </p:spTree>
     <p:extLst>
       <p:ext uri="{BB962C8B-B14F-4D97-AF65-F5344CB8AC3E}">
-        <p14:creationId xmlns:p14="http://schemas.microsoft.com/office/powerpoint/2010/main" val="1512840162"/>
+        <p14:creationId xmlns:p14="http://schemas.microsoft.com/office/powerpoint/2010/main" val="3256821092"/>
       </p:ext>
     </p:extLst>
   </p:cSld>
@@ -4531,7 +4641,7 @@
           <p:cNvPr id="2" name="Title 1">
             <a:extLst>
               <a:ext uri="{FF2B5EF4-FFF2-40B4-BE49-F238E27FC236}">
-                <a16:creationId xmlns:a16="http://schemas.microsoft.com/office/drawing/2014/main" id="{791F9C2F-AB02-4BE3-B30A-47ABEFED7353}"/>
+                <a16:creationId xmlns:a16="http://schemas.microsoft.com/office/drawing/2014/main" id="{DBA6D4AD-6A4D-404E-B9DE-03BFFD8EB18B}"/>
               </a:ext>
             </a:extLst>
           </p:cNvPr>
@@ -4549,133 +4659,66 @@
           <a:p>
             <a:r>
               <a:rPr lang="en-US" dirty="0"/>
-              <a:t>Data Model</a:t>
-            </a:r>
-          </a:p>
-        </p:txBody>
-      </p:sp>
-      <p:pic>
-        <p:nvPicPr>
-          <p:cNvPr id="5" name="Content Placeholder 4">
+              <a:t>Dimensional Modeling </a:t>
+            </a:r>
+          </a:p>
+        </p:txBody>
+      </p:sp>
+      <p:sp>
+        <p:nvSpPr>
+          <p:cNvPr id="3" name="Content Placeholder 2">
             <a:extLst>
               <a:ext uri="{FF2B5EF4-FFF2-40B4-BE49-F238E27FC236}">
-                <a16:creationId xmlns:a16="http://schemas.microsoft.com/office/drawing/2014/main" id="{86357059-BCED-4165-8631-9F96B30FC2C8}"/>
+                <a16:creationId xmlns:a16="http://schemas.microsoft.com/office/drawing/2014/main" id="{6AF17415-3EF0-4AD0-808D-41C9425E4A17}"/>
               </a:ext>
             </a:extLst>
           </p:cNvPr>
-          <p:cNvPicPr>
-            <a:picLocks noGrp="1" noChangeAspect="1"/>
-          </p:cNvPicPr>
+          <p:cNvSpPr>
+            <a:spLocks noGrp="1"/>
+          </p:cNvSpPr>
           <p:nvPr>
             <p:ph idx="1"/>
           </p:nvPr>
-        </p:nvPicPr>
-        <p:blipFill>
-          <a:blip r:embed="rId2"/>
-          <a:stretch>
-            <a:fillRect/>
-          </a:stretch>
-        </p:blipFill>
-        <p:spPr>
-          <a:xfrm>
-            <a:off x="6901218" y="1644188"/>
-            <a:ext cx="4796161" cy="3922713"/>
-          </a:xfrm>
-        </p:spPr>
-      </p:pic>
-      <p:sp>
-        <p:nvSpPr>
-          <p:cNvPr id="7" name="TextBox 6">
-            <a:extLst>
-              <a:ext uri="{FF2B5EF4-FFF2-40B4-BE49-F238E27FC236}">
-                <a16:creationId xmlns:a16="http://schemas.microsoft.com/office/drawing/2014/main" id="{A064EB19-0DC8-4D42-835A-A387C52D46F2}"/>
-              </a:ext>
-            </a:extLst>
-          </p:cNvPr>
-          <p:cNvSpPr txBox="1"/>
-          <p:nvPr/>
-        </p:nvSpPr>
-        <p:spPr>
-          <a:xfrm>
-            <a:off x="1006764" y="1685132"/>
-            <a:ext cx="5767075" cy="3416320"/>
-          </a:xfrm>
-          <a:prstGeom prst="rect">
-            <a:avLst/>
-          </a:prstGeom>
-          <a:noFill/>
-        </p:spPr>
-        <p:txBody>
-          <a:bodyPr wrap="square" rtlCol="0">
-            <a:spAutoFit/>
+        </p:nvSpPr>
+        <p:spPr/>
+        <p:txBody>
+          <a:bodyPr>
+            <a:normAutofit/>
           </a:bodyPr>
           <a:lstStyle/>
           <a:p>
-            <a:pPr marL="285750" indent="-285750">
-              <a:buFont typeface="Arial" panose="020B0604020202020204" pitchFamily="34" charset="0"/>
-              <a:buChar char="•"/>
-            </a:pPr>
-            <a:r>
-              <a:rPr lang="en-US" dirty="0"/>
-              <a:t>ActiveJobsSnapshot – 1 row each time job runs; used in Slicer</a:t>
-            </a:r>
-          </a:p>
-          <a:p>
-            <a:pPr marL="285750" indent="-285750">
-              <a:buFont typeface="Arial" panose="020B0604020202020204" pitchFamily="34" charset="0"/>
-              <a:buChar char="•"/>
-            </a:pPr>
-            <a:r>
-              <a:rPr lang="en-US" dirty="0"/>
-              <a:t>Active Jobs – SQL Agent jobs currently running at the time of the snapshot</a:t>
-            </a:r>
-          </a:p>
-          <a:p>
-            <a:pPr marL="285750" indent="-285750">
-              <a:buFont typeface="Arial" panose="020B0604020202020204" pitchFamily="34" charset="0"/>
-              <a:buChar char="•"/>
-            </a:pPr>
-            <a:r>
-              <a:rPr lang="en-US" dirty="0"/>
-              <a:t>Jobs – List of SQL Agent jobs that have ever been running at the time of a snapshot</a:t>
-            </a:r>
-          </a:p>
-          <a:p>
-            <a:pPr marL="285750" indent="-285750">
-              <a:buFont typeface="Arial" panose="020B0604020202020204" pitchFamily="34" charset="0"/>
-              <a:buChar char="•"/>
-            </a:pPr>
-            <a:r>
-              <a:rPr lang="en-US" dirty="0"/>
-              <a:t>ActiveJobHistory –history of successful job executions for the jobs in the snapshot</a:t>
-            </a:r>
-          </a:p>
-          <a:p>
-            <a:pPr marL="285750" indent="-285750">
-              <a:buFont typeface="Arial" panose="020B0604020202020204" pitchFamily="34" charset="0"/>
-              <a:buChar char="•"/>
-            </a:pPr>
-            <a:r>
-              <a:rPr lang="en-US" dirty="0"/>
-              <a:t>ActiveJobStepHistory – history of successful job step executions for the jobs in the snapshot</a:t>
-            </a:r>
-          </a:p>
-          <a:p>
-            <a:pPr marL="285750" indent="-285750">
-              <a:buFont typeface="Arial" panose="020B0604020202020204" pitchFamily="34" charset="0"/>
-              <a:buChar char="•"/>
-            </a:pPr>
-            <a:r>
-              <a:rPr lang="en-US" dirty="0"/>
-              <a:t>ExcludeJobs – jobs to exclude; e.g. job that captures the data for the current snapshot</a:t>
-            </a:r>
+            <a:r>
+              <a:rPr lang="en-US" dirty="0"/>
+              <a:t>Introduced by Ralph Kimball in 1996</a:t>
+            </a:r>
+          </a:p>
+          <a:p>
+            <a:r>
+              <a:rPr lang="en-US" dirty="0"/>
+              <a:t>Fact tables, Dimension tables, Star schema</a:t>
+            </a:r>
+          </a:p>
+          <a:p>
+            <a:r>
+              <a:rPr lang="en-US" dirty="0"/>
+              <a:t>Snapshot used in this presentation is the Periodic Snapshot Fact Table</a:t>
+            </a:r>
+          </a:p>
+          <a:p>
+            <a:r>
+              <a:rPr lang="en-US" dirty="0"/>
+              <a:t>Represents the data at a specific point in time</a:t>
+            </a:r>
+          </a:p>
+          <a:p>
+            <a:endParaRPr lang="en-US" dirty="0"/>
           </a:p>
         </p:txBody>
       </p:sp>
     </p:spTree>
     <p:extLst>
       <p:ext uri="{BB962C8B-B14F-4D97-AF65-F5344CB8AC3E}">
-        <p14:creationId xmlns:p14="http://schemas.microsoft.com/office/powerpoint/2010/main" val="2267004859"/>
+        <p14:creationId xmlns:p14="http://schemas.microsoft.com/office/powerpoint/2010/main" val="1512840162"/>
       </p:ext>
     </p:extLst>
   </p:cSld>
@@ -4707,7 +4750,7 @@
           <p:cNvPr id="2" name="Title 1">
             <a:extLst>
               <a:ext uri="{FF2B5EF4-FFF2-40B4-BE49-F238E27FC236}">
-                <a16:creationId xmlns:a16="http://schemas.microsoft.com/office/drawing/2014/main" id="{EA3F19A5-10BB-4AFE-B3AB-19AA0D83E932}"/>
+                <a16:creationId xmlns:a16="http://schemas.microsoft.com/office/drawing/2014/main" id="{791F9C2F-AB02-4BE3-B30A-47ABEFED7353}"/>
               </a:ext>
             </a:extLst>
           </p:cNvPr>
@@ -4725,76 +4768,133 @@
           <a:p>
             <a:r>
               <a:rPr lang="en-US" dirty="0"/>
-              <a:t>Power BI</a:t>
-            </a:r>
-          </a:p>
-        </p:txBody>
-      </p:sp>
-      <p:sp>
-        <p:nvSpPr>
-          <p:cNvPr id="3" name="Content Placeholder 2">
+              <a:t>Data Model</a:t>
+            </a:r>
+          </a:p>
+        </p:txBody>
+      </p:sp>
+      <p:pic>
+        <p:nvPicPr>
+          <p:cNvPr id="5" name="Content Placeholder 4">
             <a:extLst>
               <a:ext uri="{FF2B5EF4-FFF2-40B4-BE49-F238E27FC236}">
-                <a16:creationId xmlns:a16="http://schemas.microsoft.com/office/drawing/2014/main" id="{BDC557C9-9218-4D70-9625-C04E78F2C2DF}"/>
+                <a16:creationId xmlns:a16="http://schemas.microsoft.com/office/drawing/2014/main" id="{86357059-BCED-4165-8631-9F96B30FC2C8}"/>
               </a:ext>
             </a:extLst>
           </p:cNvPr>
-          <p:cNvSpPr>
-            <a:spLocks noGrp="1"/>
-          </p:cNvSpPr>
+          <p:cNvPicPr>
+            <a:picLocks noGrp="1" noChangeAspect="1"/>
+          </p:cNvPicPr>
           <p:nvPr>
             <p:ph idx="1"/>
           </p:nvPr>
-        </p:nvSpPr>
-        <p:spPr/>
-        <p:txBody>
-          <a:bodyPr/>
+        </p:nvPicPr>
+        <p:blipFill>
+          <a:blip r:embed="rId2"/>
+          <a:stretch>
+            <a:fillRect/>
+          </a:stretch>
+        </p:blipFill>
+        <p:spPr>
+          <a:xfrm>
+            <a:off x="6901218" y="1644188"/>
+            <a:ext cx="4796161" cy="3922713"/>
+          </a:xfrm>
+        </p:spPr>
+      </p:pic>
+      <p:sp>
+        <p:nvSpPr>
+          <p:cNvPr id="7" name="TextBox 6">
+            <a:extLst>
+              <a:ext uri="{FF2B5EF4-FFF2-40B4-BE49-F238E27FC236}">
+                <a16:creationId xmlns:a16="http://schemas.microsoft.com/office/drawing/2014/main" id="{A064EB19-0DC8-4D42-835A-A387C52D46F2}"/>
+              </a:ext>
+            </a:extLst>
+          </p:cNvPr>
+          <p:cNvSpPr txBox="1"/>
+          <p:nvPr/>
+        </p:nvSpPr>
+        <p:spPr>
+          <a:xfrm>
+            <a:off x="1006764" y="1685132"/>
+            <a:ext cx="5767075" cy="3416320"/>
+          </a:xfrm>
+          <a:prstGeom prst="rect">
+            <a:avLst/>
+          </a:prstGeom>
+          <a:noFill/>
+        </p:spPr>
+        <p:txBody>
+          <a:bodyPr wrap="square" rtlCol="0">
+            <a:spAutoFit/>
+          </a:bodyPr>
           <a:lstStyle/>
           <a:p>
-            <a:r>
-              <a:rPr lang="en-US" dirty="0"/>
-              <a:t>Shiny new tool in the toolbox</a:t>
-            </a:r>
-          </a:p>
-          <a:p>
-            <a:r>
-              <a:rPr lang="en-US" dirty="0"/>
-              <a:t>Power BI Desktop makes it relatively easy to develop simple reports</a:t>
-            </a:r>
-          </a:p>
-          <a:p>
-            <a:r>
-              <a:rPr lang="en-US" dirty="0"/>
-              <a:t>Works with many data sources</a:t>
-            </a:r>
-          </a:p>
-          <a:p>
-            <a:r>
-              <a:rPr lang="en-US" dirty="0"/>
-              <a:t>Works with SQL Server extremely well</a:t>
-            </a:r>
-          </a:p>
-          <a:p>
-            <a:r>
-              <a:rPr lang="en-US" dirty="0"/>
-              <a:t>Deploy on-premise to Power BI Report Server</a:t>
-            </a:r>
-          </a:p>
-          <a:p>
-            <a:r>
-              <a:rPr lang="en-US" dirty="0"/>
-              <a:t>Deploy to cloud with Power BI Service</a:t>
-            </a:r>
-          </a:p>
-          <a:p>
-            <a:endParaRPr lang="en-US" dirty="0"/>
+            <a:pPr marL="285750" indent="-285750">
+              <a:buFont typeface="Arial" panose="020B0604020202020204" pitchFamily="34" charset="0"/>
+              <a:buChar char="•"/>
+            </a:pPr>
+            <a:r>
+              <a:rPr lang="en-US" dirty="0"/>
+              <a:t>ActiveJobsSnapshot – 1 row each time job runs; used in Slicer</a:t>
+            </a:r>
+          </a:p>
+          <a:p>
+            <a:pPr marL="285750" indent="-285750">
+              <a:buFont typeface="Arial" panose="020B0604020202020204" pitchFamily="34" charset="0"/>
+              <a:buChar char="•"/>
+            </a:pPr>
+            <a:r>
+              <a:rPr lang="en-US" dirty="0"/>
+              <a:t>Active Jobs – SQL Agent jobs currently running at the time of the snapshot</a:t>
+            </a:r>
+          </a:p>
+          <a:p>
+            <a:pPr marL="285750" indent="-285750">
+              <a:buFont typeface="Arial" panose="020B0604020202020204" pitchFamily="34" charset="0"/>
+              <a:buChar char="•"/>
+            </a:pPr>
+            <a:r>
+              <a:rPr lang="en-US" dirty="0"/>
+              <a:t>Jobs – List of SQL Agent jobs that have ever been running at the time of a snapshot</a:t>
+            </a:r>
+          </a:p>
+          <a:p>
+            <a:pPr marL="285750" indent="-285750">
+              <a:buFont typeface="Arial" panose="020B0604020202020204" pitchFamily="34" charset="0"/>
+              <a:buChar char="•"/>
+            </a:pPr>
+            <a:r>
+              <a:rPr lang="en-US" dirty="0"/>
+              <a:t>ActiveJobHistory –history of successful job executions for the jobs in the snapshot</a:t>
+            </a:r>
+          </a:p>
+          <a:p>
+            <a:pPr marL="285750" indent="-285750">
+              <a:buFont typeface="Arial" panose="020B0604020202020204" pitchFamily="34" charset="0"/>
+              <a:buChar char="•"/>
+            </a:pPr>
+            <a:r>
+              <a:rPr lang="en-US" dirty="0"/>
+              <a:t>ActiveJobStepHistory – history of successful job step executions for the jobs in the snapshot</a:t>
+            </a:r>
+          </a:p>
+          <a:p>
+            <a:pPr marL="285750" indent="-285750">
+              <a:buFont typeface="Arial" panose="020B0604020202020204" pitchFamily="34" charset="0"/>
+              <a:buChar char="•"/>
+            </a:pPr>
+            <a:r>
+              <a:rPr lang="en-US" dirty="0"/>
+              <a:t>ExcludeJobs – jobs to exclude; e.g. job that captures the data for the current snapshot</a:t>
+            </a:r>
           </a:p>
         </p:txBody>
       </p:sp>
     </p:spTree>
     <p:extLst>
       <p:ext uri="{BB962C8B-B14F-4D97-AF65-F5344CB8AC3E}">
-        <p14:creationId xmlns:p14="http://schemas.microsoft.com/office/powerpoint/2010/main" val="528857684"/>
+        <p14:creationId xmlns:p14="http://schemas.microsoft.com/office/powerpoint/2010/main" val="2267004859"/>
       </p:ext>
     </p:extLst>
   </p:cSld>
